--- a/浏览器、Event Loop、渲染/浏览器架构及event loop.pptx
+++ b/浏览器、Event Loop、渲染/浏览器架构及event loop.pptx
@@ -20,6 +20,9 @@
     <p:sldId id="268" r:id="rId13"/>
     <p:sldId id="269" r:id="rId14"/>
     <p:sldId id="270" r:id="rId15"/>
+    <p:sldId id="283" r:id="rId16"/>
+    <p:sldId id="284" r:id="rId17"/>
+    <p:sldId id="285" r:id="rId18"/>
   </p:sldIdLst>
   <p:sldSz cx="12192000" cy="6858000"/>
   <p:notesSz cx="6858000" cy="9144000"/>
@@ -535,6 +538,360 @@
               <a:rPr lang="zh-CN" altLang="en-US" smtClean="0"/>
             </a:fld>
             <a:endParaRPr lang="zh-CN" altLang="en-US"/>
+          </a:p>
+        </p:txBody>
+      </p:sp>
+    </p:spTree>
+  </p:cSld>
+  <p:clrMapOvr>
+    <a:masterClrMapping/>
+  </p:clrMapOvr>
+</p:notes>
+</file>
+
+<file path=ppt/notesSlides/notesSlide10.xml><?xml version="1.0" encoding="utf-8"?>
+<p:notes xmlns:a="http://schemas.openxmlformats.org/drawingml/2006/main" xmlns:r="http://schemas.openxmlformats.org/officeDocument/2006/relationships" xmlns:p="http://schemas.openxmlformats.org/presentationml/2006/main">
+  <p:cSld>
+    <p:spTree>
+      <p:nvGrpSpPr>
+        <p:cNvPr id="1" name=""/>
+        <p:cNvGrpSpPr/>
+        <p:nvPr/>
+      </p:nvGrpSpPr>
+      <p:grpSpPr>
+        <a:xfrm>
+          <a:off x="0" y="0"/>
+          <a:ext cx="0" cy="0"/>
+          <a:chOff x="0" y="0"/>
+          <a:chExt cx="0" cy="0"/>
+        </a:xfrm>
+      </p:grpSpPr>
+      <p:sp>
+        <p:nvSpPr>
+          <p:cNvPr id="2" name="幻灯片图像占位符 1"/>
+          <p:cNvSpPr>
+            <a:spLocks noGrp="1" noRot="1" noChangeAspect="1"/>
+          </p:cNvSpPr>
+          <p:nvPr>
+            <p:ph type="sldImg"/>
+          </p:nvPr>
+        </p:nvSpPr>
+        <p:spPr/>
+      </p:sp>
+      <p:sp>
+        <p:nvSpPr>
+          <p:cNvPr id="3" name="备注占位符 2"/>
+          <p:cNvSpPr>
+            <a:spLocks noGrp="1"/>
+          </p:cNvSpPr>
+          <p:nvPr>
+            <p:ph type="body" idx="1"/>
+          </p:nvPr>
+        </p:nvSpPr>
+        <p:spPr/>
+        <p:txBody>
+          <a:bodyPr/>
+          <a:lstStyle/>
+          <a:p>
+            <a:endParaRPr lang="zh-CN" altLang="en-US"/>
+          </a:p>
+        </p:txBody>
+      </p:sp>
+      <p:sp>
+        <p:nvSpPr>
+          <p:cNvPr id="4" name="灯片编号占位符 3"/>
+          <p:cNvSpPr>
+            <a:spLocks noGrp="1"/>
+          </p:cNvSpPr>
+          <p:nvPr>
+            <p:ph type="sldNum" sz="quarter" idx="10"/>
+          </p:nvPr>
+        </p:nvSpPr>
+        <p:spPr/>
+        <p:txBody>
+          <a:bodyPr/>
+          <a:lstStyle/>
+          <a:p>
+            <a:pPr marL="0" marR="0" lvl="0" indent="0" algn="r" defTabSz="914400" eaLnBrk="0" fontAlgn="base" latinLnBrk="0" hangingPunct="0">
+              <a:lnSpc>
+                <a:spcPct val="100000"/>
+              </a:lnSpc>
+              <a:spcBef>
+                <a:spcPct val="0"/>
+              </a:spcBef>
+              <a:spcAft>
+                <a:spcPct val="0"/>
+              </a:spcAft>
+              <a:buClrTx/>
+              <a:buSzTx/>
+              <a:buFontTx/>
+              <a:buNone/>
+              <a:defRPr/>
+            </a:pPr>
+            <a:fld id="{39AD698A-D66C-4FA1-BBD8-F72AE9E6E751}" type="slidenum">
+              <a:rPr kumimoji="0" lang="zh-CN" altLang="en-US" sz="1200" b="0" i="0" u="none" strike="noStrike" kern="1200" cap="none" spc="0" normalizeH="0" baseline="0" noProof="0" smtClean="0">
+                <a:ln>
+                  <a:noFill/>
+                </a:ln>
+                <a:solidFill>
+                  <a:prstClr val="black"/>
+                </a:solidFill>
+                <a:effectLst/>
+                <a:uLnTx/>
+                <a:uFillTx/>
+                <a:latin typeface="Calibri" panose="020F0502020204030204" charset="0"/>
+                <a:ea typeface="微软雅黑" panose="020B0503020204020204" charset="-122"/>
+              </a:rPr>
+            </a:fld>
+            <a:endParaRPr kumimoji="0" lang="zh-CN" altLang="en-US" sz="1200" b="0" i="0" u="none" strike="noStrike" kern="1200" cap="none" spc="0" normalizeH="0" baseline="0" noProof="0">
+              <a:ln>
+                <a:noFill/>
+              </a:ln>
+              <a:solidFill>
+                <a:prstClr val="black"/>
+              </a:solidFill>
+              <a:effectLst/>
+              <a:uLnTx/>
+              <a:uFillTx/>
+              <a:latin typeface="Calibri" panose="020F0502020204030204" charset="0"/>
+              <a:ea typeface="微软雅黑" panose="020B0503020204020204" charset="-122"/>
+            </a:endParaRPr>
+          </a:p>
+        </p:txBody>
+      </p:sp>
+    </p:spTree>
+  </p:cSld>
+  <p:clrMapOvr>
+    <a:masterClrMapping/>
+  </p:clrMapOvr>
+</p:notes>
+</file>
+
+<file path=ppt/notesSlides/notesSlide11.xml><?xml version="1.0" encoding="utf-8"?>
+<p:notes xmlns:a="http://schemas.openxmlformats.org/drawingml/2006/main" xmlns:r="http://schemas.openxmlformats.org/officeDocument/2006/relationships" xmlns:p="http://schemas.openxmlformats.org/presentationml/2006/main">
+  <p:cSld>
+    <p:spTree>
+      <p:nvGrpSpPr>
+        <p:cNvPr id="1" name=""/>
+        <p:cNvGrpSpPr/>
+        <p:nvPr/>
+      </p:nvGrpSpPr>
+      <p:grpSpPr>
+        <a:xfrm>
+          <a:off x="0" y="0"/>
+          <a:ext cx="0" cy="0"/>
+          <a:chOff x="0" y="0"/>
+          <a:chExt cx="0" cy="0"/>
+        </a:xfrm>
+      </p:grpSpPr>
+      <p:sp>
+        <p:nvSpPr>
+          <p:cNvPr id="2" name="幻灯片图像占位符 1"/>
+          <p:cNvSpPr>
+            <a:spLocks noGrp="1" noRot="1" noChangeAspect="1"/>
+          </p:cNvSpPr>
+          <p:nvPr>
+            <p:ph type="sldImg"/>
+          </p:nvPr>
+        </p:nvSpPr>
+        <p:spPr/>
+      </p:sp>
+      <p:sp>
+        <p:nvSpPr>
+          <p:cNvPr id="3" name="备注占位符 2"/>
+          <p:cNvSpPr>
+            <a:spLocks noGrp="1"/>
+          </p:cNvSpPr>
+          <p:nvPr>
+            <p:ph type="body" idx="1"/>
+          </p:nvPr>
+        </p:nvSpPr>
+        <p:spPr/>
+        <p:txBody>
+          <a:bodyPr/>
+          <a:lstStyle/>
+          <a:p>
+            <a:endParaRPr lang="zh-CN" altLang="en-US"/>
+          </a:p>
+        </p:txBody>
+      </p:sp>
+      <p:sp>
+        <p:nvSpPr>
+          <p:cNvPr id="4" name="灯片编号占位符 3"/>
+          <p:cNvSpPr>
+            <a:spLocks noGrp="1"/>
+          </p:cNvSpPr>
+          <p:nvPr>
+            <p:ph type="sldNum" sz="quarter" idx="10"/>
+          </p:nvPr>
+        </p:nvSpPr>
+        <p:spPr/>
+        <p:txBody>
+          <a:bodyPr/>
+          <a:lstStyle/>
+          <a:p>
+            <a:pPr marL="0" marR="0" lvl="0" indent="0" algn="r" defTabSz="914400" eaLnBrk="0" fontAlgn="base" latinLnBrk="0" hangingPunct="0">
+              <a:lnSpc>
+                <a:spcPct val="100000"/>
+              </a:lnSpc>
+              <a:spcBef>
+                <a:spcPct val="0"/>
+              </a:spcBef>
+              <a:spcAft>
+                <a:spcPct val="0"/>
+              </a:spcAft>
+              <a:buClrTx/>
+              <a:buSzTx/>
+              <a:buFontTx/>
+              <a:buNone/>
+              <a:defRPr/>
+            </a:pPr>
+            <a:fld id="{39AD698A-D66C-4FA1-BBD8-F72AE9E6E751}" type="slidenum">
+              <a:rPr kumimoji="0" lang="zh-CN" altLang="en-US" sz="1200" b="0" i="0" u="none" strike="noStrike" kern="1200" cap="none" spc="0" normalizeH="0" baseline="0" noProof="0" smtClean="0">
+                <a:ln>
+                  <a:noFill/>
+                </a:ln>
+                <a:solidFill>
+                  <a:prstClr val="black"/>
+                </a:solidFill>
+                <a:effectLst/>
+                <a:uLnTx/>
+                <a:uFillTx/>
+                <a:latin typeface="Calibri" panose="020F0502020204030204" charset="0"/>
+                <a:ea typeface="微软雅黑" panose="020B0503020204020204" charset="-122"/>
+              </a:rPr>
+            </a:fld>
+            <a:endParaRPr kumimoji="0" lang="zh-CN" altLang="en-US" sz="1200" b="0" i="0" u="none" strike="noStrike" kern="1200" cap="none" spc="0" normalizeH="0" baseline="0" noProof="0">
+              <a:ln>
+                <a:noFill/>
+              </a:ln>
+              <a:solidFill>
+                <a:prstClr val="black"/>
+              </a:solidFill>
+              <a:effectLst/>
+              <a:uLnTx/>
+              <a:uFillTx/>
+              <a:latin typeface="Calibri" panose="020F0502020204030204" charset="0"/>
+              <a:ea typeface="微软雅黑" panose="020B0503020204020204" charset="-122"/>
+            </a:endParaRPr>
+          </a:p>
+        </p:txBody>
+      </p:sp>
+    </p:spTree>
+  </p:cSld>
+  <p:clrMapOvr>
+    <a:masterClrMapping/>
+  </p:clrMapOvr>
+</p:notes>
+</file>
+
+<file path=ppt/notesSlides/notesSlide12.xml><?xml version="1.0" encoding="utf-8"?>
+<p:notes xmlns:a="http://schemas.openxmlformats.org/drawingml/2006/main" xmlns:r="http://schemas.openxmlformats.org/officeDocument/2006/relationships" xmlns:p="http://schemas.openxmlformats.org/presentationml/2006/main">
+  <p:cSld>
+    <p:spTree>
+      <p:nvGrpSpPr>
+        <p:cNvPr id="1" name=""/>
+        <p:cNvGrpSpPr/>
+        <p:nvPr/>
+      </p:nvGrpSpPr>
+      <p:grpSpPr>
+        <a:xfrm>
+          <a:off x="0" y="0"/>
+          <a:ext cx="0" cy="0"/>
+          <a:chOff x="0" y="0"/>
+          <a:chExt cx="0" cy="0"/>
+        </a:xfrm>
+      </p:grpSpPr>
+      <p:sp>
+        <p:nvSpPr>
+          <p:cNvPr id="2" name="幻灯片图像占位符 1"/>
+          <p:cNvSpPr>
+            <a:spLocks noGrp="1" noRot="1" noChangeAspect="1"/>
+          </p:cNvSpPr>
+          <p:nvPr>
+            <p:ph type="sldImg"/>
+          </p:nvPr>
+        </p:nvSpPr>
+        <p:spPr/>
+      </p:sp>
+      <p:sp>
+        <p:nvSpPr>
+          <p:cNvPr id="3" name="备注占位符 2"/>
+          <p:cNvSpPr>
+            <a:spLocks noGrp="1"/>
+          </p:cNvSpPr>
+          <p:nvPr>
+            <p:ph type="body" idx="1"/>
+          </p:nvPr>
+        </p:nvSpPr>
+        <p:spPr/>
+        <p:txBody>
+          <a:bodyPr/>
+          <a:lstStyle/>
+          <a:p>
+            <a:endParaRPr lang="zh-CN" altLang="en-US"/>
+          </a:p>
+        </p:txBody>
+      </p:sp>
+      <p:sp>
+        <p:nvSpPr>
+          <p:cNvPr id="4" name="灯片编号占位符 3"/>
+          <p:cNvSpPr>
+            <a:spLocks noGrp="1"/>
+          </p:cNvSpPr>
+          <p:nvPr>
+            <p:ph type="sldNum" sz="quarter" idx="10"/>
+          </p:nvPr>
+        </p:nvSpPr>
+        <p:spPr/>
+        <p:txBody>
+          <a:bodyPr/>
+          <a:lstStyle/>
+          <a:p>
+            <a:pPr marL="0" marR="0" lvl="0" indent="0" algn="r" defTabSz="914400" eaLnBrk="0" fontAlgn="base" latinLnBrk="0" hangingPunct="0">
+              <a:lnSpc>
+                <a:spcPct val="100000"/>
+              </a:lnSpc>
+              <a:spcBef>
+                <a:spcPct val="0"/>
+              </a:spcBef>
+              <a:spcAft>
+                <a:spcPct val="0"/>
+              </a:spcAft>
+              <a:buClrTx/>
+              <a:buSzTx/>
+              <a:buFontTx/>
+              <a:buNone/>
+              <a:defRPr/>
+            </a:pPr>
+            <a:fld id="{39AD698A-D66C-4FA1-BBD8-F72AE9E6E751}" type="slidenum">
+              <a:rPr kumimoji="0" lang="zh-CN" altLang="en-US" sz="1200" b="0" i="0" u="none" strike="noStrike" kern="1200" cap="none" spc="0" normalizeH="0" baseline="0" noProof="0" smtClean="0">
+                <a:ln>
+                  <a:noFill/>
+                </a:ln>
+                <a:solidFill>
+                  <a:prstClr val="black"/>
+                </a:solidFill>
+                <a:effectLst/>
+                <a:uLnTx/>
+                <a:uFillTx/>
+                <a:latin typeface="Calibri" panose="020F0502020204030204" charset="0"/>
+                <a:ea typeface="微软雅黑" panose="020B0503020204020204" charset="-122"/>
+              </a:rPr>
+            </a:fld>
+            <a:endParaRPr kumimoji="0" lang="zh-CN" altLang="en-US" sz="1200" b="0" i="0" u="none" strike="noStrike" kern="1200" cap="none" spc="0" normalizeH="0" baseline="0" noProof="0">
+              <a:ln>
+                <a:noFill/>
+              </a:ln>
+              <a:solidFill>
+                <a:prstClr val="black"/>
+              </a:solidFill>
+              <a:effectLst/>
+              <a:uLnTx/>
+              <a:uFillTx/>
+              <a:latin typeface="Calibri" panose="020F0502020204030204" charset="0"/>
+              <a:ea typeface="微软雅黑" panose="020B0503020204020204" charset="-122"/>
+            </a:endParaRPr>
           </a:p>
         </p:txBody>
       </p:sp>
@@ -5920,7 +6277,7 @@
           <a:p>
             <a:r>
               <a:rPr lang="zh-CN" altLang="en-US" sz="1400" b="1"/>
-              <a:t>宏任务</a:t>
+              <a:t>宏任务 macrotask</a:t>
             </a:r>
             <a:r>
               <a:rPr lang="zh-CN" altLang="en-US" sz="1400"/>
@@ -5935,6 +6292,14 @@
             <a:r>
               <a:rPr lang="zh-CN" altLang="en-US" sz="1400" b="1"/>
               <a:t>微任务</a:t>
+            </a:r>
+            <a:r>
+              <a:rPr lang="zh-CN" altLang="en-US" sz="1400"/>
+              <a:t> </a:t>
+            </a:r>
+            <a:r>
+              <a:rPr lang="zh-CN" altLang="en-US" sz="1400" b="1"/>
+              <a:t>microtask </a:t>
             </a:r>
             <a:r>
               <a:rPr lang="zh-CN" altLang="en-US" sz="1400"/>
@@ -6197,6 +6562,713 @@
     </p:spTree>
     <p:custDataLst>
       <p:tags r:id="rId4"/>
+    </p:custDataLst>
+  </p:cSld>
+  <p:clrMapOvr>
+    <a:masterClrMapping/>
+  </p:clrMapOvr>
+  <mc:AlternateContent xmlns:mc="http://schemas.openxmlformats.org/markup-compatibility/2006">
+    <mc:Choice xmlns:p14="http://schemas.microsoft.com/office/powerpoint/2010/main" Requires="p14">
+      <p:transition spd="slow" p14:dur="2000" advClick="0" advTm="3000"/>
+    </mc:Choice>
+    <mc:Fallback>
+      <p:transition spd="slow" advClick="0" advTm="3000"/>
+    </mc:Fallback>
+  </mc:AlternateContent>
+</p:sld>
+</file>
+
+<file path=ppt/slides/slide13.xml><?xml version="1.0" encoding="utf-8"?>
+<p:sld xmlns:a="http://schemas.openxmlformats.org/drawingml/2006/main" xmlns:r="http://schemas.openxmlformats.org/officeDocument/2006/relationships" xmlns:p="http://schemas.openxmlformats.org/presentationml/2006/main">
+  <p:cSld>
+    <p:spTree>
+      <p:nvGrpSpPr>
+        <p:cNvPr id="1" name=""/>
+        <p:cNvGrpSpPr/>
+        <p:nvPr/>
+      </p:nvGrpSpPr>
+      <p:grpSpPr>
+        <a:xfrm>
+          <a:off x="0" y="0"/>
+          <a:ext cx="0" cy="0"/>
+          <a:chOff x="0" y="0"/>
+          <a:chExt cx="0" cy="0"/>
+        </a:xfrm>
+      </p:grpSpPr>
+      <p:sp>
+        <p:nvSpPr>
+          <p:cNvPr id="5" name="标题 1"/>
+          <p:cNvSpPr>
+            <a:spLocks noGrp="1"/>
+          </p:cNvSpPr>
+          <p:nvPr>
+            <p:custDataLst>
+              <p:tags r:id="rId1"/>
+            </p:custDataLst>
+          </p:nvPr>
+        </p:nvSpPr>
+        <p:spPr>
+          <a:xfrm>
+            <a:off x="956310" y="492125"/>
+            <a:ext cx="10515600" cy="675640"/>
+          </a:xfrm>
+          <a:prstGeom prst="rect">
+            <a:avLst/>
+          </a:prstGeom>
+        </p:spPr>
+        <p:txBody>
+          <a:bodyPr vert="horz" wrap="square" lIns="91440" tIns="45720" rIns="91440" bIns="45720" rtlCol="0" anchor="ctr" anchorCtr="0">
+            <a:normAutofit/>
+          </a:bodyPr>
+          <a:lstStyle>
+            <a:lvl1pPr algn="l" defTabSz="914400" rtl="0" eaLnBrk="1" latinLnBrk="0" hangingPunct="1">
+              <a:lnSpc>
+                <a:spcPct val="90000"/>
+              </a:lnSpc>
+              <a:spcBef>
+                <a:spcPct val="0"/>
+              </a:spcBef>
+              <a:buNone/>
+              <a:defRPr sz="4400" kern="1200">
+                <a:solidFill>
+                  <a:schemeClr val="tx1"/>
+                </a:solidFill>
+                <a:latin typeface="+mj-lt"/>
+                <a:ea typeface="+mj-ea"/>
+                <a:cs typeface="+mj-cs"/>
+              </a:defRPr>
+            </a:lvl1pPr>
+          </a:lstStyle>
+          <a:p>
+            <a:r>
+              <a:rPr lang="zh-CN" altLang="en-US" sz="2400" dirty="0">
+                <a:solidFill>
+                  <a:schemeClr val="tx1"/>
+                </a:solidFill>
+              </a:rPr>
+              <a:t>更新渲染（Update the rendering）</a:t>
+            </a:r>
+            <a:endParaRPr lang="zh-CN" altLang="en-US" sz="2400" dirty="0">
+              <a:solidFill>
+                <a:schemeClr val="tx1"/>
+              </a:solidFill>
+            </a:endParaRPr>
+          </a:p>
+        </p:txBody>
+      </p:sp>
+      <p:sp>
+        <p:nvSpPr>
+          <p:cNvPr id="7" name="文本框 6"/>
+          <p:cNvSpPr txBox="1"/>
+          <p:nvPr/>
+        </p:nvSpPr>
+        <p:spPr>
+          <a:xfrm>
+            <a:off x="593090" y="1433195"/>
+            <a:ext cx="11000740" cy="4184650"/>
+          </a:xfrm>
+          <a:prstGeom prst="rect">
+            <a:avLst/>
+          </a:prstGeom>
+          <a:noFill/>
+        </p:spPr>
+        <p:txBody>
+          <a:bodyPr wrap="square" rtlCol="0">
+            <a:spAutoFit/>
+          </a:bodyPr>
+          <a:p>
+            <a:r>
+              <a:rPr lang="en-US" altLang="zh-CN" sz="1400"/>
+              <a:t>1</a:t>
+            </a:r>
+            <a:r>
+              <a:rPr lang="zh-CN" altLang="en-US" sz="1400"/>
+              <a:t>、</a:t>
+            </a:r>
+            <a:r>
+              <a:rPr lang="zh-CN" altLang="en-US" sz="1400" b="1"/>
+              <a:t>判断当前的document是否需要渲染</a:t>
+            </a:r>
+            <a:r>
+              <a:rPr lang="zh-CN" altLang="en-US" sz="1400"/>
+              <a:t>，用官方规范的说法就是浏览器会判断这个document是否会从UI Render中获益，因为只需要保持60Hz的刷新率即可，而每轮event loop都是非常快的，所以没必要每轮loop都Render UI，而是差不多16ms的时候再Render。同时对于一些比较卡顿的已经不能保证60Hz的页面，若再在此时执行界面渲染会雪上加霜，所以浏览器可能会下调认为document能获益的频率为（比如说）30hz。如果页面是不可见的，会下调到更低的频率。</a:t>
+            </a:r>
+            <a:endParaRPr lang="zh-CN" altLang="en-US" sz="1400"/>
+          </a:p>
+          <a:p>
+            <a:endParaRPr lang="zh-CN" altLang="en-US" sz="1400"/>
+          </a:p>
+          <a:p>
+            <a:r>
+              <a:rPr lang="en-US" altLang="zh-CN" sz="1400"/>
+              <a:t>2</a:t>
+            </a:r>
+            <a:r>
+              <a:rPr lang="zh-CN" altLang="en-US" sz="1400"/>
+              <a:t>、run the resize steps。若浏览器resize过，那么这里会在Window上触发’resize’事件。</a:t>
+            </a:r>
+            <a:endParaRPr lang="zh-CN" altLang="en-US" sz="1400"/>
+          </a:p>
+          <a:p>
+            <a:r>
+              <a:rPr lang="en-US" altLang="zh-CN" sz="1400"/>
+              <a:t>3</a:t>
+            </a:r>
+            <a:r>
+              <a:rPr lang="zh-CN" altLang="en-US" sz="1400"/>
+              <a:t>、run the scroll steps。首先，每当我们在某个target上滚动时(target可以是某个可滚动元素也可能就是document)，浏览器就会在target所属的document上的pending scroll event targets里存放这个发生滚动的target。现在， run the scroll steps这一步会从pending scroll event targets里取出target，然后在target上触发scroll事件。</a:t>
+            </a:r>
+            <a:endParaRPr lang="zh-CN" altLang="en-US" sz="1400"/>
+          </a:p>
+          <a:p>
+            <a:endParaRPr lang="zh-CN" altLang="en-US" sz="1400"/>
+          </a:p>
+          <a:p>
+            <a:r>
+              <a:rPr lang="en-US" altLang="zh-CN" sz="1400"/>
+              <a:t>4</a:t>
+            </a:r>
+            <a:r>
+              <a:rPr lang="zh-CN" altLang="en-US" sz="1400"/>
+              <a:t>、计算是否触发media query。</a:t>
+            </a:r>
+            <a:endParaRPr lang="zh-CN" altLang="en-US" sz="1400"/>
+          </a:p>
+          <a:p>
+            <a:r>
+              <a:rPr lang="en-US" altLang="zh-CN" sz="1400"/>
+              <a:t>5</a:t>
+            </a:r>
+            <a:r>
+              <a:rPr lang="zh-CN" altLang="en-US" sz="1400"/>
+              <a:t>、update animations and send events</a:t>
+            </a:r>
+            <a:endParaRPr lang="zh-CN" altLang="en-US" sz="1400"/>
+          </a:p>
+          <a:p>
+            <a:r>
+              <a:rPr lang="en-US" altLang="zh-CN" sz="1400"/>
+              <a:t>6</a:t>
+            </a:r>
+            <a:r>
+              <a:rPr lang="zh-CN" altLang="en-US" sz="1400"/>
+              <a:t>、</a:t>
+            </a:r>
+            <a:r>
+              <a:rPr lang="zh-CN" altLang="en-US" sz="1400">
+                <a:sym typeface="+mn-ea"/>
+              </a:rPr>
+              <a:t>run the fullscreen steps：如果在之前的task或者microtask中执行过 requestFullscreen()等full screen相关api，此处会执行全屏操作。</a:t>
+            </a:r>
+            <a:endParaRPr lang="zh-CN" altLang="en-US" sz="1400">
+              <a:sym typeface="+mn-ea"/>
+            </a:endParaRPr>
+          </a:p>
+          <a:p>
+            <a:r>
+              <a:rPr lang="en-US" altLang="zh-CN" sz="1400"/>
+              <a:t>7</a:t>
+            </a:r>
+            <a:r>
+              <a:rPr lang="zh-CN" altLang="en-US" sz="1400"/>
+              <a:t>、run the animation frame callbacks：执行</a:t>
+            </a:r>
+            <a:r>
+              <a:rPr lang="zh-CN" altLang="en-US" sz="1400" b="1"/>
+              <a:t>requestAnimationFrame</a:t>
+            </a:r>
+            <a:r>
+              <a:rPr lang="zh-CN" altLang="en-US" sz="1400"/>
+              <a:t>的回调，requestAnimationFrame就是在这里执行的！</a:t>
+            </a:r>
+            <a:endParaRPr lang="zh-CN" altLang="en-US" sz="1400"/>
+          </a:p>
+          <a:p>
+            <a:r>
+              <a:rPr lang="en-US" altLang="zh-CN" sz="1400"/>
+              <a:t>8</a:t>
+            </a:r>
+            <a:r>
+              <a:rPr lang="zh-CN" altLang="en-US" sz="1400"/>
+              <a:t>、run the update intersection observations steps：观察元素是否可见</a:t>
+            </a:r>
+            <a:endParaRPr lang="zh-CN" altLang="en-US" sz="1400"/>
+          </a:p>
+          <a:p>
+            <a:endParaRPr lang="zh-CN" altLang="en-US" sz="1400"/>
+          </a:p>
+          <a:p>
+            <a:r>
+              <a:rPr lang="en-US" altLang="zh-CN" sz="1400"/>
+              <a:t>9</a:t>
+            </a:r>
+            <a:r>
+              <a:rPr lang="zh-CN" altLang="en-US" sz="1400"/>
+              <a:t>、</a:t>
+            </a:r>
+            <a:r>
+              <a:rPr lang="zh-CN" altLang="en-US" sz="1400" b="1"/>
+              <a:t>更新、渲染用户界面</a:t>
+            </a:r>
+            <a:br>
+              <a:rPr lang="zh-CN" altLang="en-US" sz="1400" b="1"/>
+            </a:br>
+            <a:endParaRPr lang="zh-CN" altLang="en-US" sz="1400" b="1"/>
+          </a:p>
+          <a:p>
+            <a:endParaRPr lang="zh-CN" altLang="en-US" sz="1400" b="1"/>
+          </a:p>
+        </p:txBody>
+      </p:sp>
+      <p:sp>
+        <p:nvSpPr>
+          <p:cNvPr id="2" name="文本框 1"/>
+          <p:cNvSpPr txBox="1"/>
+          <p:nvPr/>
+        </p:nvSpPr>
+        <p:spPr>
+          <a:xfrm>
+            <a:off x="593090" y="5904865"/>
+            <a:ext cx="10581005" cy="645160"/>
+          </a:xfrm>
+          <a:prstGeom prst="rect">
+            <a:avLst/>
+          </a:prstGeom>
+          <a:noFill/>
+        </p:spPr>
+        <p:txBody>
+          <a:bodyPr wrap="square" rtlCol="0">
+            <a:spAutoFit/>
+          </a:bodyPr>
+          <a:p>
+            <a:r>
+              <a:rPr lang="zh-CN" altLang="en-US"/>
+              <a:t>参考：html5 event loop processing model（https://html.spec.whatwg.org/multipage/webappapis.html#event-loop-processing-model）</a:t>
+            </a:r>
+            <a:endParaRPr lang="zh-CN" altLang="en-US"/>
+          </a:p>
+        </p:txBody>
+      </p:sp>
+    </p:spTree>
+    <p:custDataLst>
+      <p:tags r:id="rId2"/>
+    </p:custDataLst>
+  </p:cSld>
+  <p:clrMapOvr>
+    <a:masterClrMapping/>
+  </p:clrMapOvr>
+  <mc:AlternateContent xmlns:mc="http://schemas.openxmlformats.org/markup-compatibility/2006">
+    <mc:Choice xmlns:p14="http://schemas.microsoft.com/office/powerpoint/2010/main" Requires="p14">
+      <p:transition spd="slow" p14:dur="2000" advClick="0" advTm="3000"/>
+    </mc:Choice>
+    <mc:Fallback>
+      <p:transition spd="slow" advClick="0" advTm="3000"/>
+    </mc:Fallback>
+  </mc:AlternateContent>
+</p:sld>
+</file>
+
+<file path=ppt/slides/slide14.xml><?xml version="1.0" encoding="utf-8"?>
+<p:sld xmlns:a="http://schemas.openxmlformats.org/drawingml/2006/main" xmlns:r="http://schemas.openxmlformats.org/officeDocument/2006/relationships" xmlns:p="http://schemas.openxmlformats.org/presentationml/2006/main">
+  <p:cSld>
+    <p:spTree>
+      <p:nvGrpSpPr>
+        <p:cNvPr id="1" name=""/>
+        <p:cNvGrpSpPr/>
+        <p:nvPr/>
+      </p:nvGrpSpPr>
+      <p:grpSpPr>
+        <a:xfrm>
+          <a:off x="0" y="0"/>
+          <a:ext cx="0" cy="0"/>
+          <a:chOff x="0" y="0"/>
+          <a:chExt cx="0" cy="0"/>
+        </a:xfrm>
+      </p:grpSpPr>
+      <p:sp>
+        <p:nvSpPr>
+          <p:cNvPr id="5" name="标题 1"/>
+          <p:cNvSpPr>
+            <a:spLocks noGrp="1"/>
+          </p:cNvSpPr>
+          <p:nvPr>
+            <p:custDataLst>
+              <p:tags r:id="rId1"/>
+            </p:custDataLst>
+          </p:nvPr>
+        </p:nvSpPr>
+        <p:spPr>
+          <a:xfrm>
+            <a:off x="965200" y="492125"/>
+            <a:ext cx="10515600" cy="675640"/>
+          </a:xfrm>
+          <a:prstGeom prst="rect">
+            <a:avLst/>
+          </a:prstGeom>
+        </p:spPr>
+        <p:txBody>
+          <a:bodyPr vert="horz" wrap="square" lIns="91440" tIns="45720" rIns="91440" bIns="45720" rtlCol="0" anchor="ctr" anchorCtr="0">
+            <a:normAutofit/>
+          </a:bodyPr>
+          <a:lstStyle>
+            <a:lvl1pPr algn="l" defTabSz="914400" rtl="0" eaLnBrk="1" latinLnBrk="0" hangingPunct="1">
+              <a:lnSpc>
+                <a:spcPct val="90000"/>
+              </a:lnSpc>
+              <a:spcBef>
+                <a:spcPct val="0"/>
+              </a:spcBef>
+              <a:buNone/>
+              <a:defRPr sz="4400" kern="1200">
+                <a:solidFill>
+                  <a:schemeClr val="tx1"/>
+                </a:solidFill>
+                <a:latin typeface="+mj-lt"/>
+                <a:ea typeface="+mj-ea"/>
+                <a:cs typeface="+mj-cs"/>
+              </a:defRPr>
+            </a:lvl1pPr>
+          </a:lstStyle>
+          <a:p>
+            <a:r>
+              <a:rPr lang="zh-CN" altLang="en-US" sz="2400" dirty="0">
+                <a:sym typeface="+mn-ea"/>
+              </a:rPr>
+              <a:t>更新渲染（Update the rendering）</a:t>
+            </a:r>
+            <a:endParaRPr lang="zh-CN" altLang="en-US" sz="2400" dirty="0">
+              <a:solidFill>
+                <a:schemeClr val="tx1"/>
+              </a:solidFill>
+            </a:endParaRPr>
+          </a:p>
+          <a:p>
+            <a:endParaRPr lang="zh-CN" altLang="en-US" sz="2400" dirty="0">
+              <a:solidFill>
+                <a:schemeClr val="tx1"/>
+              </a:solidFill>
+            </a:endParaRPr>
+          </a:p>
+        </p:txBody>
+      </p:sp>
+      <p:sp>
+        <p:nvSpPr>
+          <p:cNvPr id="3" name="文本框 2"/>
+          <p:cNvSpPr txBox="1"/>
+          <p:nvPr/>
+        </p:nvSpPr>
+        <p:spPr>
+          <a:xfrm>
+            <a:off x="995045" y="1384935"/>
+            <a:ext cx="9958070" cy="3415030"/>
+          </a:xfrm>
+          <a:prstGeom prst="rect">
+            <a:avLst/>
+          </a:prstGeom>
+          <a:noFill/>
+        </p:spPr>
+        <p:txBody>
+          <a:bodyPr wrap="square" rtlCol="0">
+            <a:spAutoFit/>
+          </a:bodyPr>
+          <a:p>
+            <a:r>
+              <a:rPr lang="en-US" altLang="zh-CN"/>
+              <a:t>1</a:t>
+            </a:r>
+            <a:r>
+              <a:rPr lang="zh-CN" altLang="en-US"/>
+              <a:t>、不是每轮event loop里都会有Update the rendering，只有浏览器判断这个document需要更新界面的时候才会让更新。这意味着两次UI Render之间最小间隔也是16ms，你setInterval去1ms更新一次其实也依然是16ms更新一次。</a:t>
+            </a:r>
+            <a:endParaRPr lang="zh-CN" altLang="en-US"/>
+          </a:p>
+          <a:p>
+            <a:endParaRPr lang="zh-CN" altLang="en-US"/>
+          </a:p>
+          <a:p>
+            <a:r>
+              <a:rPr lang="en-US" altLang="zh-CN"/>
+              <a:t>2</a:t>
+            </a:r>
+            <a:r>
+              <a:rPr lang="zh-CN" altLang="en-US"/>
+              <a:t>、resize和scroll事件是在渲染流程里触发的。这意味着如果你想在scroll事件上绑回调去执行动画，那么根本不需要用requestAnimationFrame去节流，scroll事件本身就是在每帧真正渲染前执行，自带节流效果！当然，滚动图片懒加载、滚动内容无限加载等业务逻辑而非动画逻辑还是需要throttle的。</a:t>
+            </a:r>
+            <a:endParaRPr lang="zh-CN" altLang="en-US"/>
+          </a:p>
+          <a:p>
+            <a:endParaRPr lang="zh-CN" altLang="en-US"/>
+          </a:p>
+          <a:p>
+            <a:r>
+              <a:rPr lang="en-US" altLang="zh-CN"/>
+              <a:t>3</a:t>
+            </a:r>
+            <a:r>
+              <a:rPr lang="zh-CN" altLang="en-US"/>
+              <a:t>、requestAnimationFrame的回调是在重绘前执行的</a:t>
+            </a:r>
+            <a:endParaRPr lang="zh-CN" altLang="en-US"/>
+          </a:p>
+          <a:p>
+            <a:endParaRPr lang="zh-CN" altLang="en-US"/>
+          </a:p>
+          <a:p>
+            <a:r>
+              <a:rPr lang="en-US" altLang="zh-CN"/>
+              <a:t>4</a:t>
+            </a:r>
+            <a:r>
+              <a:rPr lang="zh-CN" altLang="en-US"/>
+              <a:t>、UI的重绘是在event loop中执行的。</a:t>
+            </a:r>
+            <a:endParaRPr lang="zh-CN" altLang="en-US"/>
+          </a:p>
+        </p:txBody>
+      </p:sp>
+    </p:spTree>
+    <p:custDataLst>
+      <p:tags r:id="rId2"/>
+    </p:custDataLst>
+  </p:cSld>
+  <p:clrMapOvr>
+    <a:masterClrMapping/>
+  </p:clrMapOvr>
+  <mc:AlternateContent xmlns:mc="http://schemas.openxmlformats.org/markup-compatibility/2006">
+    <mc:Choice xmlns:p14="http://schemas.microsoft.com/office/powerpoint/2010/main" Requires="p14">
+      <p:transition spd="slow" p14:dur="2000" advClick="0" advTm="3000"/>
+    </mc:Choice>
+    <mc:Fallback>
+      <p:transition spd="slow" advClick="0" advTm="3000"/>
+    </mc:Fallback>
+  </mc:AlternateContent>
+</p:sld>
+</file>
+
+<file path=ppt/slides/slide15.xml><?xml version="1.0" encoding="utf-8"?>
+<p:sld xmlns:a="http://schemas.openxmlformats.org/drawingml/2006/main" xmlns:r="http://schemas.openxmlformats.org/officeDocument/2006/relationships" xmlns:p="http://schemas.openxmlformats.org/presentationml/2006/main">
+  <p:cSld>
+    <p:spTree>
+      <p:nvGrpSpPr>
+        <p:cNvPr id="1" name=""/>
+        <p:cNvGrpSpPr/>
+        <p:nvPr/>
+      </p:nvGrpSpPr>
+      <p:grpSpPr>
+        <a:xfrm>
+          <a:off x="0" y="0"/>
+          <a:ext cx="0" cy="0"/>
+          <a:chOff x="0" y="0"/>
+          <a:chExt cx="0" cy="0"/>
+        </a:xfrm>
+      </p:grpSpPr>
+      <p:sp>
+        <p:nvSpPr>
+          <p:cNvPr id="5" name="标题 1"/>
+          <p:cNvSpPr>
+            <a:spLocks noGrp="1"/>
+          </p:cNvSpPr>
+          <p:nvPr>
+            <p:custDataLst>
+              <p:tags r:id="rId1"/>
+            </p:custDataLst>
+          </p:nvPr>
+        </p:nvSpPr>
+        <p:spPr>
+          <a:xfrm>
+            <a:off x="965200" y="492125"/>
+            <a:ext cx="10515600" cy="675640"/>
+          </a:xfrm>
+          <a:prstGeom prst="rect">
+            <a:avLst/>
+          </a:prstGeom>
+        </p:spPr>
+        <p:txBody>
+          <a:bodyPr vert="horz" wrap="square" lIns="91440" tIns="45720" rIns="91440" bIns="45720" rtlCol="0" anchor="ctr" anchorCtr="0">
+            <a:normAutofit/>
+          </a:bodyPr>
+          <a:lstStyle>
+            <a:lvl1pPr algn="l" defTabSz="914400" rtl="0" eaLnBrk="1" latinLnBrk="0" hangingPunct="1">
+              <a:lnSpc>
+                <a:spcPct val="90000"/>
+              </a:lnSpc>
+              <a:spcBef>
+                <a:spcPct val="0"/>
+              </a:spcBef>
+              <a:buNone/>
+              <a:defRPr sz="4400" kern="1200">
+                <a:solidFill>
+                  <a:schemeClr val="tx1"/>
+                </a:solidFill>
+                <a:latin typeface="+mj-lt"/>
+                <a:ea typeface="+mj-ea"/>
+                <a:cs typeface="+mj-cs"/>
+              </a:defRPr>
+            </a:lvl1pPr>
+          </a:lstStyle>
+          <a:p>
+            <a:r>
+              <a:rPr lang="zh-CN" altLang="en-US" sz="2400" dirty="0">
+                <a:solidFill>
+                  <a:schemeClr val="tx1"/>
+                </a:solidFill>
+              </a:rPr>
+              <a:t>渲染</a:t>
+            </a:r>
+            <a:endParaRPr lang="zh-CN" altLang="en-US" sz="2400" dirty="0">
+              <a:solidFill>
+                <a:schemeClr val="tx1"/>
+              </a:solidFill>
+            </a:endParaRPr>
+          </a:p>
+        </p:txBody>
+      </p:sp>
+      <p:pic>
+        <p:nvPicPr>
+          <p:cNvPr id="2" name="图片 1" descr="渲染"/>
+          <p:cNvPicPr>
+            <a:picLocks noChangeAspect="1"/>
+          </p:cNvPicPr>
+          <p:nvPr/>
+        </p:nvPicPr>
+        <p:blipFill>
+          <a:blip r:embed="rId2"/>
+          <a:stretch>
+            <a:fillRect/>
+          </a:stretch>
+        </p:blipFill>
+        <p:spPr>
+          <a:xfrm>
+            <a:off x="461010" y="2094865"/>
+            <a:ext cx="7056755" cy="2955925"/>
+          </a:xfrm>
+          <a:prstGeom prst="rect">
+            <a:avLst/>
+          </a:prstGeom>
+        </p:spPr>
+      </p:pic>
+      <p:sp>
+        <p:nvSpPr>
+          <p:cNvPr id="3" name="文本框 2"/>
+          <p:cNvSpPr txBox="1"/>
+          <p:nvPr/>
+        </p:nvSpPr>
+        <p:spPr>
+          <a:xfrm>
+            <a:off x="8098155" y="1536065"/>
+            <a:ext cx="3728720" cy="3938270"/>
+          </a:xfrm>
+          <a:prstGeom prst="rect">
+            <a:avLst/>
+          </a:prstGeom>
+          <a:noFill/>
+        </p:spPr>
+        <p:txBody>
+          <a:bodyPr wrap="square" rtlCol="0">
+            <a:spAutoFit/>
+          </a:bodyPr>
+          <a:p>
+            <a:r>
+              <a:rPr lang="zh-CN" altLang="en-US" sz="1400" b="1"/>
+              <a:t>Compositor Thread（合成器线程</a:t>
+            </a:r>
+            <a:r>
+              <a:rPr lang="zh-CN" altLang="en-US" sz="1400" b="1"/>
+              <a:t>）</a:t>
+            </a:r>
+            <a:r>
+              <a:rPr lang="zh-CN" altLang="en-US" sz="1400"/>
+              <a:t>：这个线程既负责接收浏览器传来的垂直同步信号，也负责接收OS传来的用户交互，比如滚动、输入、点击、鼠标移动等等。</a:t>
+            </a:r>
+            <a:endParaRPr lang="zh-CN" altLang="en-US" sz="1400"/>
+          </a:p>
+          <a:p>
+            <a:endParaRPr lang="zh-CN" altLang="en-US" sz="1400"/>
+          </a:p>
+          <a:p>
+            <a:r>
+              <a:rPr lang="zh-CN" altLang="en-US" sz="1200"/>
+              <a:t>如果可能，Compositor Thread会直接负责处理这些输入，然后转换为对layer的位移和处理，并将新的帧直接commit到GPU Thread，从而直接输出新的页面。否则，比如你在滚动、输入事件等等上注册了回调，又或者当前页面中有动画等情况，那么这个时候Compositor Thread便会唤醒Main Thread，让后者去执行JS、完成重绘、重排等过程，产出新的纹理，然后Compositor Thread再进行相关纹理的commit至GPU Thread，完成输出。</a:t>
+            </a:r>
+            <a:endParaRPr lang="zh-CN" altLang="en-US" sz="1200"/>
+          </a:p>
+          <a:p>
+            <a:endParaRPr lang="zh-CN" altLang="en-US" sz="1200"/>
+          </a:p>
+          <a:p>
+            <a:r>
+              <a:rPr lang="zh-CN" altLang="en-US" sz="1200"/>
+              <a:t>用户输入是直接进入Compositor Thread的，一方面在那些不需要执行JS或者没有CSS动画、不重绘等的场景时，可以直接对用户输入进行处理和响应。这使得浏览器可以快速响应用户的滚动、打字等等输入，完全不用进主线程。</a:t>
+            </a:r>
+            <a:endParaRPr lang="zh-CN" altLang="en-US" sz="1200"/>
+          </a:p>
+        </p:txBody>
+      </p:sp>
+      <p:sp>
+        <p:nvSpPr>
+          <p:cNvPr id="4" name="文本框 3"/>
+          <p:cNvSpPr txBox="1"/>
+          <p:nvPr/>
+        </p:nvSpPr>
+        <p:spPr>
+          <a:xfrm>
+            <a:off x="1004570" y="1226185"/>
+            <a:ext cx="2931795" cy="368300"/>
+          </a:xfrm>
+          <a:prstGeom prst="rect">
+            <a:avLst/>
+          </a:prstGeom>
+          <a:noFill/>
+        </p:spPr>
+        <p:txBody>
+          <a:bodyPr wrap="square" rtlCol="0">
+            <a:spAutoFit/>
+          </a:bodyPr>
+          <a:p>
+            <a:r>
+              <a:rPr lang="zh-CN" altLang="en-US"/>
+              <a:t>基于</a:t>
+            </a:r>
+            <a:r>
+              <a:rPr lang="zh-CN" altLang="en-US"/>
+              <a:t>blink、webkit内核</a:t>
+            </a:r>
+            <a:endParaRPr lang="zh-CN" altLang="en-US"/>
+          </a:p>
+        </p:txBody>
+      </p:sp>
+      <p:sp>
+        <p:nvSpPr>
+          <p:cNvPr id="6" name="文本框 5"/>
+          <p:cNvSpPr txBox="1"/>
+          <p:nvPr/>
+        </p:nvSpPr>
+        <p:spPr>
+          <a:xfrm>
+            <a:off x="508635" y="5955665"/>
+            <a:ext cx="10970895" cy="368300"/>
+          </a:xfrm>
+          <a:prstGeom prst="rect">
+            <a:avLst/>
+          </a:prstGeom>
+          <a:noFill/>
+        </p:spPr>
+        <p:txBody>
+          <a:bodyPr wrap="square" rtlCol="0">
+            <a:spAutoFit/>
+          </a:bodyPr>
+          <a:p>
+            <a:r>
+              <a:rPr lang="zh-CN" altLang="en-US"/>
+              <a:t>参考： https://aerotwist.com/blog/the-anatomy-of-a-frame/</a:t>
+            </a:r>
+            <a:endParaRPr lang="zh-CN" altLang="en-US"/>
+          </a:p>
+        </p:txBody>
+      </p:sp>
+    </p:spTree>
+    <p:custDataLst>
+      <p:tags r:id="rId3"/>
     </p:custDataLst>
   </p:cSld>
   <p:clrMapOvr>
@@ -6676,15 +7748,7 @@
                   <a:schemeClr val="tx1"/>
                 </a:solidFill>
               </a:rPr>
-              <a:t>：</a:t>
-            </a:r>
-            <a:r>
-              <a:rPr lang="zh-CN" altLang="en-US" dirty="0">
-                <a:solidFill>
-                  <a:schemeClr val="tx1"/>
-                </a:solidFill>
-              </a:rPr>
-              <a:t>进程和线程</a:t>
+              <a:t>：进程和线程</a:t>
             </a:r>
             <a:endParaRPr lang="zh-CN" altLang="en-US" dirty="0">
               <a:solidFill>
@@ -6892,7 +7956,7 @@
             </a:r>
             <a:r>
               <a:rPr lang="zh-CN" altLang="en-US">
-                <a:hlinkClick r:id="rId1" tooltip=""/>
+                <a:hlinkClick r:id="rId1"/>
               </a:rPr>
               <a:t>阮一峰--进程与线程的一个简单解释</a:t>
             </a:r>
@@ -8265,6 +9329,123 @@
 </file>
 
 <file path=ppt/tags/tag40.xml><?xml version="1.0" encoding="utf-8"?>
+<p:tagLst xmlns:p="http://schemas.openxmlformats.org/presentationml/2006/main">
+  <p:tag name="KSO_WM_COMBINE_RELATE_SLIDE_ID" val="background20180979_2"/>
+  <p:tag name="KSO_WM_TEMPLATE_SUBCATEGORY" val="combine"/>
+  <p:tag name="KSO_WM_SLIDE_ID" val="custom20182815_2"/>
+  <p:tag name="KSO_WM_SLIDE_TYPE" val="text"/>
+  <p:tag name="KSO_WM_SLIDE_SUBTYPE" val="pureTxt"/>
+  <p:tag name="KSO_WM_SLIDE_ITEM_CNT" val="1"/>
+  <p:tag name="KSO_WM_SLIDE_INDEX" val="2"/>
+  <p:tag name="KSO_WM_SLIDE_SIZE" val="828*457"/>
+  <p:tag name="KSO_WM_SLIDE_POSITION" val="66*28"/>
+  <p:tag name="KSO_WM_TAG_VERSION" val="1.0"/>
+  <p:tag name="KSO_WM_BEAUTIFY_FLAG" val="#wm#"/>
+  <p:tag name="KSO_WM_TEMPLATE_CATEGORY" val="custom"/>
+  <p:tag name="KSO_WM_TEMPLATE_INDEX" val="20182815"/>
+  <p:tag name="KSO_WM_SLIDE_LAYOUT" val="a_f"/>
+  <p:tag name="KSO_WM_SLIDE_LAYOUT_CNT" val="1_1"/>
+</p:tagLst>
+</file>
+
+<file path=ppt/tags/tag41.xml><?xml version="1.0" encoding="utf-8"?>
+<p:tagLst xmlns:p="http://schemas.openxmlformats.org/presentationml/2006/main">
+  <p:tag name="KSO_WM_TEMPLATE_CATEGORY" val="custom"/>
+  <p:tag name="KSO_WM_TEMPLATE_INDEX" val="20182815"/>
+  <p:tag name="KSO_WM_TAG_VERSION" val="1.0"/>
+  <p:tag name="KSO_WM_BEAUTIFY_FLAG" val="#wm#"/>
+  <p:tag name="KSO_WM_UNIT_PRESET_TEXT_LEN" val="17"/>
+  <p:tag name="KSO_WM_UNIT_PRESET_TEXT_INDEX" val="3"/>
+  <p:tag name="KSO_WM_UNIT_COMPATIBLE" val="0"/>
+  <p:tag name="KSO_WM_UNIT_HIGHLIGHT" val="0"/>
+  <p:tag name="KSO_WM_UNIT_ISCONTENTSTITLE" val="0"/>
+  <p:tag name="KSO_WM_UNIT_VALUE" val="40"/>
+  <p:tag name="KSO_WM_UNIT_LAYERLEVEL" val="1"/>
+  <p:tag name="KSO_WM_UNIT_INDEX" val="1"/>
+  <p:tag name="KSO_WM_UNIT_TYPE" val="a"/>
+  <p:tag name="KSO_WM_UNIT_ID" val="custom20182815_2*a*1"/>
+</p:tagLst>
+</file>
+
+<file path=ppt/tags/tag42.xml><?xml version="1.0" encoding="utf-8"?>
+<p:tagLst xmlns:p="http://schemas.openxmlformats.org/presentationml/2006/main">
+  <p:tag name="KSO_WM_COMBINE_RELATE_SLIDE_ID" val="background20180979_2"/>
+  <p:tag name="KSO_WM_TEMPLATE_SUBCATEGORY" val="combine"/>
+  <p:tag name="KSO_WM_SLIDE_ID" val="custom20182815_2"/>
+  <p:tag name="KSO_WM_SLIDE_TYPE" val="text"/>
+  <p:tag name="KSO_WM_SLIDE_SUBTYPE" val="pureTxt"/>
+  <p:tag name="KSO_WM_SLIDE_ITEM_CNT" val="1"/>
+  <p:tag name="KSO_WM_SLIDE_INDEX" val="2"/>
+  <p:tag name="KSO_WM_SLIDE_SIZE" val="828*457"/>
+  <p:tag name="KSO_WM_SLIDE_POSITION" val="66*28"/>
+  <p:tag name="KSO_WM_TAG_VERSION" val="1.0"/>
+  <p:tag name="KSO_WM_BEAUTIFY_FLAG" val="#wm#"/>
+  <p:tag name="KSO_WM_TEMPLATE_CATEGORY" val="custom"/>
+  <p:tag name="KSO_WM_TEMPLATE_INDEX" val="20182815"/>
+  <p:tag name="KSO_WM_SLIDE_LAYOUT" val="a_f"/>
+  <p:tag name="KSO_WM_SLIDE_LAYOUT_CNT" val="1_1"/>
+</p:tagLst>
+</file>
+
+<file path=ppt/tags/tag43.xml><?xml version="1.0" encoding="utf-8"?>
+<p:tagLst xmlns:p="http://schemas.openxmlformats.org/presentationml/2006/main">
+  <p:tag name="KSO_WM_TEMPLATE_CATEGORY" val="custom"/>
+  <p:tag name="KSO_WM_TEMPLATE_INDEX" val="20182815"/>
+  <p:tag name="KSO_WM_TAG_VERSION" val="1.0"/>
+  <p:tag name="KSO_WM_BEAUTIFY_FLAG" val="#wm#"/>
+  <p:tag name="KSO_WM_UNIT_PRESET_TEXT_LEN" val="17"/>
+  <p:tag name="KSO_WM_UNIT_PRESET_TEXT_INDEX" val="3"/>
+  <p:tag name="KSO_WM_UNIT_COMPATIBLE" val="0"/>
+  <p:tag name="KSO_WM_UNIT_HIGHLIGHT" val="0"/>
+  <p:tag name="KSO_WM_UNIT_ISCONTENTSTITLE" val="0"/>
+  <p:tag name="KSO_WM_UNIT_VALUE" val="40"/>
+  <p:tag name="KSO_WM_UNIT_LAYERLEVEL" val="1"/>
+  <p:tag name="KSO_WM_UNIT_INDEX" val="1"/>
+  <p:tag name="KSO_WM_UNIT_TYPE" val="a"/>
+  <p:tag name="KSO_WM_UNIT_ID" val="custom20182815_2*a*1"/>
+</p:tagLst>
+</file>
+
+<file path=ppt/tags/tag44.xml><?xml version="1.0" encoding="utf-8"?>
+<p:tagLst xmlns:p="http://schemas.openxmlformats.org/presentationml/2006/main">
+  <p:tag name="KSO_WM_COMBINE_RELATE_SLIDE_ID" val="background20180979_2"/>
+  <p:tag name="KSO_WM_TEMPLATE_SUBCATEGORY" val="combine"/>
+  <p:tag name="KSO_WM_SLIDE_ID" val="custom20182815_2"/>
+  <p:tag name="KSO_WM_SLIDE_TYPE" val="text"/>
+  <p:tag name="KSO_WM_SLIDE_SUBTYPE" val="pureTxt"/>
+  <p:tag name="KSO_WM_SLIDE_ITEM_CNT" val="1"/>
+  <p:tag name="KSO_WM_SLIDE_INDEX" val="2"/>
+  <p:tag name="KSO_WM_SLIDE_SIZE" val="828*457"/>
+  <p:tag name="KSO_WM_SLIDE_POSITION" val="66*28"/>
+  <p:tag name="KSO_WM_TAG_VERSION" val="1.0"/>
+  <p:tag name="KSO_WM_BEAUTIFY_FLAG" val="#wm#"/>
+  <p:tag name="KSO_WM_TEMPLATE_CATEGORY" val="custom"/>
+  <p:tag name="KSO_WM_TEMPLATE_INDEX" val="20182815"/>
+  <p:tag name="KSO_WM_SLIDE_LAYOUT" val="a_f"/>
+  <p:tag name="KSO_WM_SLIDE_LAYOUT_CNT" val="1_1"/>
+</p:tagLst>
+</file>
+
+<file path=ppt/tags/tag45.xml><?xml version="1.0" encoding="utf-8"?>
+<p:tagLst xmlns:p="http://schemas.openxmlformats.org/presentationml/2006/main">
+  <p:tag name="KSO_WM_TEMPLATE_CATEGORY" val="custom"/>
+  <p:tag name="KSO_WM_TEMPLATE_INDEX" val="20182815"/>
+  <p:tag name="KSO_WM_TAG_VERSION" val="1.0"/>
+  <p:tag name="KSO_WM_BEAUTIFY_FLAG" val="#wm#"/>
+  <p:tag name="KSO_WM_UNIT_PRESET_TEXT_LEN" val="17"/>
+  <p:tag name="KSO_WM_UNIT_PRESET_TEXT_INDEX" val="3"/>
+  <p:tag name="KSO_WM_UNIT_COMPATIBLE" val="0"/>
+  <p:tag name="KSO_WM_UNIT_HIGHLIGHT" val="0"/>
+  <p:tag name="KSO_WM_UNIT_ISCONTENTSTITLE" val="0"/>
+  <p:tag name="KSO_WM_UNIT_VALUE" val="40"/>
+  <p:tag name="KSO_WM_UNIT_LAYERLEVEL" val="1"/>
+  <p:tag name="KSO_WM_UNIT_INDEX" val="1"/>
+  <p:tag name="KSO_WM_UNIT_TYPE" val="a"/>
+  <p:tag name="KSO_WM_UNIT_ID" val="custom20182815_2*a*1"/>
+</p:tagLst>
+</file>
+
+<file path=ppt/tags/tag46.xml><?xml version="1.0" encoding="utf-8"?>
 <p:tagLst xmlns:p="http://schemas.openxmlformats.org/presentationml/2006/main">
   <p:tag name="KSO_WM_COMBINE_RELATE_SLIDE_ID" val="background20180979_2"/>
   <p:tag name="KSO_WM_TEMPLATE_SUBCATEGORY" val="combine"/>
